--- a/photo-source/distri/分布式事务.pptx
+++ b/photo-source/distri/分布式事务.pptx
@@ -4216,8 +4216,8 @@
         </p:nvSpPr>
         <p:spPr>
           <a:xfrm>
-            <a:off x="1864995" y="1256030"/>
-            <a:ext cx="2996565" cy="2021840"/>
+            <a:off x="4049395" y="1974850"/>
+            <a:ext cx="2168525" cy="2021840"/>
           </a:xfrm>
           <a:prstGeom prst="roundRect">
             <a:avLst/>
@@ -4247,50 +4247,13 @@
       </p:sp>
       <p:sp>
         <p:nvSpPr>
-          <p:cNvPr id="6" name="圆角矩形 5"/>
-          <p:cNvSpPr/>
-          <p:nvPr/>
-        </p:nvSpPr>
-        <p:spPr>
-          <a:xfrm>
-            <a:off x="2352040" y="1647825"/>
-            <a:ext cx="1520825" cy="1520825"/>
-          </a:xfrm>
-          <a:prstGeom prst="roundRect">
-            <a:avLst/>
-          </a:prstGeom>
-        </p:spPr>
-        <p:style>
-          <a:lnRef idx="2">
-            <a:schemeClr val="accent4"/>
-          </a:lnRef>
-          <a:fillRef idx="1">
-            <a:schemeClr val="lt1"/>
-          </a:fillRef>
-          <a:effectRef idx="0">
-            <a:schemeClr val="accent4"/>
-          </a:effectRef>
-          <a:fontRef idx="minor">
-            <a:schemeClr val="dk1"/>
-          </a:fontRef>
-        </p:style>
-        <p:txBody>
-          <a:bodyPr rtlCol="0" anchor="ctr"/>
-          <a:p>
-            <a:pPr algn="ctr"/>
-            <a:endParaRPr lang="zh-CN" altLang="en-US"/>
-          </a:p>
-        </p:txBody>
-      </p:sp>
-      <p:sp>
-        <p:nvSpPr>
           <p:cNvPr id="9" name="圆角矩形 8"/>
           <p:cNvSpPr/>
           <p:nvPr/>
         </p:nvSpPr>
         <p:spPr>
           <a:xfrm>
-            <a:off x="2538095" y="1803400"/>
+            <a:off x="4549775" y="2522220"/>
             <a:ext cx="1149350" cy="245745"/>
           </a:xfrm>
           <a:prstGeom prst="roundRect">
@@ -4331,7 +4294,7 @@
         </p:nvSpPr>
         <p:spPr>
           <a:xfrm>
-            <a:off x="2352040" y="1365250"/>
+            <a:off x="4363720" y="2084070"/>
             <a:ext cx="1312545" cy="275590"/>
           </a:xfrm>
           <a:prstGeom prst="rect">
@@ -4361,7 +4324,7 @@
         </p:nvSpPr>
         <p:spPr>
           <a:xfrm>
-            <a:off x="5575935" y="3715385"/>
+            <a:off x="7014210" y="4379595"/>
             <a:ext cx="1174750" cy="1510030"/>
           </a:xfrm>
           <a:prstGeom prst="round2SameRect">
@@ -4418,8 +4381,8 @@
         </p:nvSpPr>
         <p:spPr>
           <a:xfrm>
-            <a:off x="7929880" y="1256030"/>
-            <a:ext cx="2996565" cy="2021840"/>
+            <a:off x="8547100" y="1974850"/>
+            <a:ext cx="2478405" cy="2021840"/>
           </a:xfrm>
           <a:prstGeom prst="roundRect">
             <a:avLst/>
@@ -4455,7 +4418,7 @@
         </p:nvSpPr>
         <p:spPr>
           <a:xfrm>
-            <a:off x="8444865" y="1803400"/>
+            <a:off x="9163685" y="2676525"/>
             <a:ext cx="1284605" cy="327660"/>
           </a:xfrm>
           <a:prstGeom prst="roundRect">
@@ -4481,10 +4444,10 @@
           <a:p>
             <a:pPr algn="ctr"/>
             <a:r>
-              <a:rPr lang="zh-CN" altLang="en-US" sz="1400"/>
+              <a:rPr lang="zh-CN" altLang="en-US" sz="1200"/>
               <a:t>写业务数据</a:t>
             </a:r>
-            <a:endParaRPr lang="zh-CN" altLang="en-US" sz="1400"/>
+            <a:endParaRPr lang="zh-CN" altLang="en-US" sz="1200"/>
           </a:p>
         </p:txBody>
       </p:sp>
@@ -4496,7 +4459,7 @@
         </p:nvSpPr>
         <p:spPr>
           <a:xfrm>
-            <a:off x="8444865" y="2840990"/>
+            <a:off x="9163050" y="3559810"/>
             <a:ext cx="1284605" cy="327660"/>
           </a:xfrm>
           <a:prstGeom prst="roundRect">
@@ -4522,18 +4485,18 @@
           <a:p>
             <a:pPr algn="ctr"/>
             <a:r>
-              <a:rPr lang="zh-CN" altLang="en-US" sz="1400"/>
+              <a:rPr lang="zh-CN" altLang="en-US" sz="1200"/>
               <a:t>消费</a:t>
             </a:r>
             <a:r>
-              <a:rPr lang="en-US" altLang="zh-CN" sz="1400"/>
+              <a:rPr lang="en-US" altLang="zh-CN" sz="1200"/>
               <a:t>mq</a:t>
             </a:r>
             <a:r>
-              <a:rPr lang="zh-CN" altLang="en-US" sz="1400"/>
+              <a:rPr lang="zh-CN" altLang="en-US" sz="1200"/>
               <a:t>消息</a:t>
             </a:r>
-            <a:endParaRPr lang="zh-CN" altLang="en-US" sz="1400"/>
+            <a:endParaRPr lang="zh-CN" altLang="en-US" sz="1200"/>
           </a:p>
         </p:txBody>
       </p:sp>
@@ -4545,7 +4508,7 @@
         </p:nvSpPr>
         <p:spPr>
           <a:xfrm>
-            <a:off x="2538095" y="2285365"/>
+            <a:off x="4549775" y="3004185"/>
             <a:ext cx="1149350" cy="245745"/>
           </a:xfrm>
           <a:prstGeom prst="roundRect">
@@ -4593,8 +4556,8 @@
         </p:nvCxnSpPr>
         <p:spPr>
           <a:xfrm rot="5400000" flipV="1">
-            <a:off x="3593465" y="2487930"/>
-            <a:ext cx="1501775" cy="2463165"/>
+            <a:off x="5404803" y="3525203"/>
+            <a:ext cx="1329055" cy="1889760"/>
           </a:xfrm>
           <a:prstGeom prst="bentConnector2">
             <a:avLst/>
@@ -4629,8 +4592,8 @@
         </p:nvCxnSpPr>
         <p:spPr>
           <a:xfrm flipV="1">
-            <a:off x="6750685" y="3168650"/>
-            <a:ext cx="2336800" cy="1301750"/>
+            <a:off x="8188960" y="3887470"/>
+            <a:ext cx="1616710" cy="1247140"/>
           </a:xfrm>
           <a:prstGeom prst="bentConnector2">
             <a:avLst/>
@@ -4665,8 +4628,8 @@
         </p:nvCxnSpPr>
         <p:spPr>
           <a:xfrm flipV="1">
-            <a:off x="9087485" y="2131060"/>
-            <a:ext cx="0" cy="709930"/>
+            <a:off x="9805670" y="3004185"/>
+            <a:ext cx="635" cy="555625"/>
           </a:xfrm>
           <a:prstGeom prst="straightConnector1">
             <a:avLst/>
@@ -4701,7 +4664,7 @@
         </p:nvCxnSpPr>
         <p:spPr>
           <a:xfrm>
-            <a:off x="3112770" y="2049145"/>
+            <a:off x="5124450" y="2767965"/>
             <a:ext cx="0" cy="236220"/>
           </a:xfrm>
           <a:prstGeom prst="straightConnector1">
@@ -4734,7 +4697,7 @@
         </p:nvSpPr>
         <p:spPr>
           <a:xfrm>
-            <a:off x="2538095" y="2722880"/>
+            <a:off x="4549775" y="3559810"/>
             <a:ext cx="1149350" cy="245745"/>
           </a:xfrm>
           <a:prstGeom prst="roundRect">
@@ -4786,8 +4749,8 @@
         </p:nvCxnSpPr>
         <p:spPr>
           <a:xfrm>
-            <a:off x="3112770" y="2531110"/>
-            <a:ext cx="0" cy="191770"/>
+            <a:off x="5124450" y="3249930"/>
+            <a:ext cx="0" cy="309880"/>
           </a:xfrm>
           <a:prstGeom prst="straightConnector1">
             <a:avLst/>
@@ -4811,6 +4774,707 @@
           </a:fontRef>
         </p:style>
       </p:cxnSp>
+      <p:sp>
+        <p:nvSpPr>
+          <p:cNvPr id="5" name="文本框 4"/>
+          <p:cNvSpPr txBox="1"/>
+          <p:nvPr/>
+        </p:nvSpPr>
+        <p:spPr>
+          <a:xfrm>
+            <a:off x="9805670" y="3189605"/>
+            <a:ext cx="756920" cy="245110"/>
+          </a:xfrm>
+          <a:prstGeom prst="rect">
+            <a:avLst/>
+          </a:prstGeom>
+          <a:noFill/>
+        </p:spPr>
+        <p:txBody>
+          <a:bodyPr wrap="square" rtlCol="0">
+            <a:spAutoFit/>
+          </a:bodyPr>
+          <a:p>
+            <a:pPr algn="ctr"/>
+            <a:r>
+              <a:rPr lang="zh-CN" altLang="en-US" sz="1000">
+                <a:solidFill>
+                  <a:srgbClr val="FF0000"/>
+                </a:solidFill>
+              </a:rPr>
+              <a:t>幂等处理</a:t>
+            </a:r>
+            <a:endParaRPr lang="zh-CN" altLang="en-US" sz="1000">
+              <a:solidFill>
+                <a:srgbClr val="FF0000"/>
+              </a:solidFill>
+            </a:endParaRPr>
+          </a:p>
+        </p:txBody>
+      </p:sp>
+      <p:sp>
+        <p:nvSpPr>
+          <p:cNvPr id="15" name="左大括号 14"/>
+          <p:cNvSpPr/>
+          <p:nvPr/>
+        </p:nvSpPr>
+        <p:spPr>
+          <a:xfrm>
+            <a:off x="3936365" y="2522220"/>
+            <a:ext cx="555625" cy="667385"/>
+          </a:xfrm>
+          <a:prstGeom prst="leftBrace">
+            <a:avLst/>
+          </a:prstGeom>
+        </p:spPr>
+        <p:style>
+          <a:lnRef idx="2">
+            <a:schemeClr val="accent4"/>
+          </a:lnRef>
+          <a:fillRef idx="0">
+            <a:schemeClr val="accent4"/>
+          </a:fillRef>
+          <a:effectRef idx="1">
+            <a:schemeClr val="accent4"/>
+          </a:effectRef>
+          <a:fontRef idx="minor">
+            <a:schemeClr val="tx1"/>
+          </a:fontRef>
+        </p:style>
+        <p:txBody>
+          <a:bodyPr rtlCol="0" anchor="ctr"/>
+          <a:p>
+            <a:pPr algn="ctr"/>
+            <a:endParaRPr lang="zh-CN" altLang="en-US"/>
+          </a:p>
+        </p:txBody>
+      </p:sp>
+      <p:sp>
+        <p:nvSpPr>
+          <p:cNvPr id="17" name="圆角矩形 16"/>
+          <p:cNvSpPr/>
+          <p:nvPr/>
+        </p:nvSpPr>
+        <p:spPr>
+          <a:xfrm>
+            <a:off x="9382760" y="2150110"/>
+            <a:ext cx="847725" cy="209550"/>
+          </a:xfrm>
+          <a:prstGeom prst="roundRect">
+            <a:avLst/>
+          </a:prstGeom>
+        </p:spPr>
+        <p:style>
+          <a:lnRef idx="2">
+            <a:schemeClr val="accent4"/>
+          </a:lnRef>
+          <a:fillRef idx="1">
+            <a:schemeClr val="lt1"/>
+          </a:fillRef>
+          <a:effectRef idx="0">
+            <a:schemeClr val="accent4"/>
+          </a:effectRef>
+          <a:fontRef idx="minor">
+            <a:schemeClr val="dk1"/>
+          </a:fontRef>
+        </p:style>
+        <p:txBody>
+          <a:bodyPr rtlCol="0" anchor="ctr"/>
+          <a:p>
+            <a:pPr algn="ctr"/>
+            <a:r>
+              <a:rPr lang="zh-CN" altLang="en-US" sz="1200"/>
+              <a:t>消费成功</a:t>
+            </a:r>
+            <a:endParaRPr lang="zh-CN" altLang="en-US" sz="1200"/>
+          </a:p>
+        </p:txBody>
+      </p:sp>
+      <p:cxnSp>
+        <p:nvCxnSpPr>
+          <p:cNvPr id="18" name="直接箭头连接符 17"/>
+          <p:cNvCxnSpPr>
+            <a:stCxn id="16" idx="0"/>
+            <a:endCxn id="17" idx="2"/>
+          </p:cNvCxnSpPr>
+          <p:nvPr/>
+        </p:nvCxnSpPr>
+        <p:spPr>
+          <a:xfrm flipV="1">
+            <a:off x="9806305" y="2359660"/>
+            <a:ext cx="635" cy="316865"/>
+          </a:xfrm>
+          <a:prstGeom prst="straightConnector1">
+            <a:avLst/>
+          </a:prstGeom>
+          <a:ln>
+            <a:tailEnd type="arrow"/>
+          </a:ln>
+        </p:spPr>
+        <p:style>
+          <a:lnRef idx="1">
+            <a:schemeClr val="accent1"/>
+          </a:lnRef>
+          <a:fillRef idx="0">
+            <a:schemeClr val="accent1"/>
+          </a:fillRef>
+          <a:effectRef idx="0">
+            <a:schemeClr val="accent1"/>
+          </a:effectRef>
+          <a:fontRef idx="minor">
+            <a:schemeClr val="tx1"/>
+          </a:fontRef>
+        </p:style>
+      </p:cxnSp>
+      <p:cxnSp>
+        <p:nvCxnSpPr>
+          <p:cNvPr id="29" name="肘形连接符 28"/>
+          <p:cNvCxnSpPr>
+            <a:stCxn id="17" idx="1"/>
+            <a:endCxn id="20" idx="3"/>
+          </p:cNvCxnSpPr>
+          <p:nvPr/>
+        </p:nvCxnSpPr>
+        <p:spPr>
+          <a:xfrm rot="10800000" flipV="1">
+            <a:off x="5699125" y="2254885"/>
+            <a:ext cx="3683635" cy="872490"/>
+          </a:xfrm>
+          <a:prstGeom prst="bentConnector3">
+            <a:avLst>
+              <a:gd name="adj1" fmla="val 49991"/>
+            </a:avLst>
+          </a:prstGeom>
+          <a:ln w="12700" cmpd="sng">
+            <a:solidFill>
+              <a:schemeClr val="accent1">
+                <a:lumMod val="60000"/>
+                <a:lumOff val="40000"/>
+              </a:schemeClr>
+            </a:solidFill>
+            <a:prstDash val="dash"/>
+            <a:tailEnd type="arrow"/>
+          </a:ln>
+        </p:spPr>
+        <p:style>
+          <a:lnRef idx="1">
+            <a:schemeClr val="accent1"/>
+          </a:lnRef>
+          <a:fillRef idx="0">
+            <a:schemeClr val="accent1"/>
+          </a:fillRef>
+          <a:effectRef idx="0">
+            <a:schemeClr val="accent1"/>
+          </a:effectRef>
+          <a:fontRef idx="minor">
+            <a:schemeClr val="tx1"/>
+          </a:fontRef>
+        </p:style>
+      </p:cxnSp>
+      <p:sp>
+        <p:nvSpPr>
+          <p:cNvPr id="30" name="文本框 29"/>
+          <p:cNvSpPr txBox="1"/>
+          <p:nvPr/>
+        </p:nvSpPr>
+        <p:spPr>
+          <a:xfrm>
+            <a:off x="6713220" y="2605405"/>
+            <a:ext cx="1475740" cy="553085"/>
+          </a:xfrm>
+          <a:prstGeom prst="rect">
+            <a:avLst/>
+          </a:prstGeom>
+          <a:noFill/>
+        </p:spPr>
+        <p:txBody>
+          <a:bodyPr wrap="square" rtlCol="0">
+            <a:spAutoFit/>
+          </a:bodyPr>
+          <a:p>
+            <a:r>
+              <a:rPr lang="zh-CN" altLang="en-US" sz="1000">
+                <a:solidFill>
+                  <a:srgbClr val="FF0000"/>
+                </a:solidFill>
+              </a:rPr>
+              <a:t>消费成功回调，修改消息表状态为已消费，形成一个</a:t>
+            </a:r>
+            <a:r>
+              <a:rPr lang="zh-CN" altLang="en-US" sz="1000">
+                <a:solidFill>
+                  <a:srgbClr val="FF0000"/>
+                </a:solidFill>
+              </a:rPr>
+              <a:t>闭环</a:t>
+            </a:r>
+            <a:endParaRPr lang="zh-CN" altLang="en-US" sz="1000">
+              <a:solidFill>
+                <a:srgbClr val="FF0000"/>
+              </a:solidFill>
+            </a:endParaRPr>
+          </a:p>
+        </p:txBody>
+      </p:sp>
+      <p:cxnSp>
+        <p:nvCxnSpPr>
+          <p:cNvPr id="34" name="肘形连接符 33"/>
+          <p:cNvCxnSpPr>
+            <a:stCxn id="16" idx="1"/>
+            <a:endCxn id="19" idx="1"/>
+          </p:cNvCxnSpPr>
+          <p:nvPr/>
+        </p:nvCxnSpPr>
+        <p:spPr>
+          <a:xfrm rot="10800000" flipV="1">
+            <a:off x="9163050" y="2840355"/>
+            <a:ext cx="635" cy="883285"/>
+          </a:xfrm>
+          <a:prstGeom prst="bentConnector3">
+            <a:avLst>
+              <a:gd name="adj1" fmla="val 56200000"/>
+            </a:avLst>
+          </a:prstGeom>
+          <a:ln>
+            <a:tailEnd type="arrow"/>
+          </a:ln>
+        </p:spPr>
+        <p:style>
+          <a:lnRef idx="1">
+            <a:schemeClr val="accent1"/>
+          </a:lnRef>
+          <a:fillRef idx="0">
+            <a:schemeClr val="accent1"/>
+          </a:fillRef>
+          <a:effectRef idx="0">
+            <a:schemeClr val="accent1"/>
+          </a:effectRef>
+          <a:fontRef idx="minor">
+            <a:schemeClr val="tx1"/>
+          </a:fontRef>
+        </p:style>
+      </p:cxnSp>
+      <p:sp>
+        <p:nvSpPr>
+          <p:cNvPr id="35" name="文本框 34"/>
+          <p:cNvSpPr txBox="1"/>
+          <p:nvPr/>
+        </p:nvSpPr>
+        <p:spPr>
+          <a:xfrm>
+            <a:off x="8710295" y="3075305"/>
+            <a:ext cx="911225" cy="398780"/>
+          </a:xfrm>
+          <a:prstGeom prst="rect">
+            <a:avLst/>
+          </a:prstGeom>
+          <a:noFill/>
+        </p:spPr>
+        <p:txBody>
+          <a:bodyPr wrap="square" rtlCol="0">
+            <a:spAutoFit/>
+          </a:bodyPr>
+          <a:p>
+            <a:pPr algn="ctr"/>
+            <a:r>
+              <a:rPr lang="zh-CN" altLang="en-US" sz="1000">
+                <a:solidFill>
+                  <a:srgbClr val="FF0000"/>
+                </a:solidFill>
+              </a:rPr>
+              <a:t>失败重试，到次数</a:t>
+            </a:r>
+            <a:r>
+              <a:rPr lang="zh-CN" altLang="en-US" sz="1000">
+                <a:solidFill>
+                  <a:srgbClr val="FF0000"/>
+                </a:solidFill>
+              </a:rPr>
+              <a:t>纪录</a:t>
+            </a:r>
+            <a:endParaRPr lang="zh-CN" altLang="en-US" sz="1000">
+              <a:solidFill>
+                <a:srgbClr val="FF0000"/>
+              </a:solidFill>
+            </a:endParaRPr>
+          </a:p>
+        </p:txBody>
+      </p:sp>
+      <p:graphicFrame>
+        <p:nvGraphicFramePr>
+          <p:cNvPr id="36" name="表格 35"/>
+          <p:cNvGraphicFramePr/>
+          <p:nvPr>
+            <p:custDataLst>
+              <p:tags r:id="rId1"/>
+            </p:custDataLst>
+          </p:nvPr>
+        </p:nvGraphicFramePr>
+        <p:xfrm>
+          <a:off x="1337945" y="5384800"/>
+          <a:ext cx="4679315" cy="1100455"/>
+        </p:xfrm>
+        <a:graphic>
+          <a:graphicData uri="http://schemas.openxmlformats.org/drawingml/2006/table">
+            <a:tbl>
+              <a:tblPr firstRow="1" bandRow="1">
+                <a:tableStyleId>{5C22544A-7EE6-4342-B048-85BDC9FD1C3A}</a:tableStyleId>
+              </a:tblPr>
+              <a:tblGrid>
+                <a:gridCol w="909955"/>
+                <a:gridCol w="1186815"/>
+                <a:gridCol w="2582545"/>
+              </a:tblGrid>
+              <a:tr h="243840">
+                <a:tc>
+                  <a:txBody>
+                    <a:bodyPr/>
+                    <a:p>
+                      <a:pPr>
+                        <a:buNone/>
+                      </a:pPr>
+                      <a:endParaRPr lang="zh-CN" altLang="en-US" sz="1000"/>
+                    </a:p>
+                  </a:txBody>
+                  <a:tcPr/>
+                </a:tc>
+                <a:tc>
+                  <a:txBody>
+                    <a:bodyPr/>
+                    <a:p>
+                      <a:pPr>
+                        <a:buNone/>
+                      </a:pPr>
+                      <a:r>
+                        <a:rPr lang="zh-CN" altLang="en-US" sz="1000"/>
+                        <a:t>好处</a:t>
+                      </a:r>
+                      <a:endParaRPr lang="zh-CN" altLang="en-US" sz="1000"/>
+                    </a:p>
+                  </a:txBody>
+                  <a:tcPr/>
+                </a:tc>
+                <a:tc>
+                  <a:txBody>
+                    <a:bodyPr/>
+                    <a:p>
+                      <a:pPr>
+                        <a:buNone/>
+                      </a:pPr>
+                      <a:r>
+                        <a:rPr lang="zh-CN" altLang="en-US" sz="1000"/>
+                        <a:t>坏处</a:t>
+                      </a:r>
+                      <a:endParaRPr lang="zh-CN" altLang="en-US" sz="1000"/>
+                    </a:p>
+                  </a:txBody>
+                  <a:tcPr/>
+                </a:tc>
+              </a:tr>
+              <a:tr h="396240">
+                <a:tc>
+                  <a:txBody>
+                    <a:bodyPr/>
+                    <a:p>
+                      <a:pPr>
+                        <a:buNone/>
+                      </a:pPr>
+                      <a:r>
+                        <a:rPr lang="zh-CN" altLang="en-US" sz="1000"/>
+                        <a:t>发</a:t>
+                      </a:r>
+                      <a:r>
+                        <a:rPr lang="en-US" altLang="zh-CN" sz="1000"/>
+                        <a:t>mq</a:t>
+                      </a:r>
+                      <a:r>
+                        <a:rPr lang="zh-CN" altLang="en-US" sz="1000"/>
+                        <a:t>消息放在事务里面</a:t>
+                      </a:r>
+                      <a:endParaRPr lang="zh-CN" altLang="en-US" sz="1000"/>
+                    </a:p>
+                  </a:txBody>
+                  <a:tcPr/>
+                </a:tc>
+                <a:tc>
+                  <a:txBody>
+                    <a:bodyPr/>
+                    <a:p>
+                      <a:pPr>
+                        <a:buNone/>
+                      </a:pPr>
+                      <a:r>
+                        <a:rPr lang="zh-CN" altLang="en-US" sz="1000">
+                          <a:sym typeface="+mn-ea"/>
+                        </a:rPr>
+                        <a:t>事务成功消息也一定</a:t>
+                      </a:r>
+                      <a:r>
+                        <a:rPr lang="zh-CN" altLang="en-US" sz="1000">
+                          <a:sym typeface="+mn-ea"/>
+                        </a:rPr>
+                        <a:t>成功</a:t>
+                      </a:r>
+                      <a:endParaRPr lang="zh-CN" altLang="en-US" sz="1000">
+                        <a:sym typeface="+mn-ea"/>
+                      </a:endParaRPr>
+                    </a:p>
+                  </a:txBody>
+                  <a:tcPr/>
+                </a:tc>
+                <a:tc>
+                  <a:txBody>
+                    <a:bodyPr/>
+                    <a:p>
+                      <a:pPr>
+                        <a:buNone/>
+                      </a:pPr>
+                      <a:r>
+                        <a:rPr lang="zh-CN" altLang="en-US" sz="1000">
+                          <a:sym typeface="+mn-ea"/>
+                        </a:rPr>
+                        <a:t>发完</a:t>
+                      </a:r>
+                      <a:r>
+                        <a:rPr lang="en-US" altLang="zh-CN" sz="1000">
+                          <a:sym typeface="+mn-ea"/>
+                        </a:rPr>
+                        <a:t>mq</a:t>
+                      </a:r>
+                      <a:r>
+                        <a:rPr lang="zh-CN" altLang="en-US" sz="1000">
+                          <a:sym typeface="+mn-ea"/>
+                        </a:rPr>
+                        <a:t>后事务超时回滚了，消息没法回滚</a:t>
+                      </a:r>
+                      <a:endParaRPr lang="zh-CN" altLang="en-US" sz="1000">
+                        <a:sym typeface="+mn-ea"/>
+                      </a:endParaRPr>
+                    </a:p>
+                  </a:txBody>
+                  <a:tcPr/>
+                </a:tc>
+              </a:tr>
+              <a:tr h="460375">
+                <a:tc>
+                  <a:txBody>
+                    <a:bodyPr/>
+                    <a:p>
+                      <a:pPr>
+                        <a:buNone/>
+                      </a:pPr>
+                      <a:r>
+                        <a:rPr lang="zh-CN" altLang="en-US" sz="1000">
+                          <a:sym typeface="+mn-ea"/>
+                        </a:rPr>
+                        <a:t>发</a:t>
+                      </a:r>
+                      <a:r>
+                        <a:rPr lang="en-US" altLang="zh-CN" sz="1000">
+                          <a:sym typeface="+mn-ea"/>
+                        </a:rPr>
+                        <a:t>mq</a:t>
+                      </a:r>
+                      <a:r>
+                        <a:rPr lang="zh-CN" altLang="en-US" sz="1000">
+                          <a:sym typeface="+mn-ea"/>
+                        </a:rPr>
+                        <a:t>消息放在事务外面</a:t>
+                      </a:r>
+                      <a:endParaRPr lang="zh-CN" altLang="en-US" sz="1000">
+                        <a:sym typeface="+mn-ea"/>
+                      </a:endParaRPr>
+                    </a:p>
+                  </a:txBody>
+                  <a:tcPr/>
+                </a:tc>
+                <a:tc>
+                  <a:txBody>
+                    <a:bodyPr/>
+                    <a:p>
+                      <a:pPr>
+                        <a:buNone/>
+                      </a:pPr>
+                      <a:r>
+                        <a:rPr lang="zh-CN" altLang="en-US" sz="1000">
+                          <a:sym typeface="+mn-ea"/>
+                        </a:rPr>
+                        <a:t>事务一定成功才会发</a:t>
+                      </a:r>
+                      <a:r>
+                        <a:rPr lang="en-US" altLang="zh-CN" sz="1000">
+                          <a:sym typeface="+mn-ea"/>
+                        </a:rPr>
+                        <a:t>mq</a:t>
+                      </a:r>
+                      <a:r>
+                        <a:rPr lang="zh-CN" altLang="en-US" sz="1000">
+                          <a:sym typeface="+mn-ea"/>
+                        </a:rPr>
+                        <a:t>消息</a:t>
+                      </a:r>
+                      <a:endParaRPr lang="zh-CN" altLang="en-US" sz="1000">
+                        <a:sym typeface="+mn-ea"/>
+                      </a:endParaRPr>
+                    </a:p>
+                  </a:txBody>
+                  <a:tcPr/>
+                </a:tc>
+                <a:tc>
+                  <a:txBody>
+                    <a:bodyPr/>
+                    <a:p>
+                      <a:pPr>
+                        <a:buNone/>
+                      </a:pPr>
+                      <a:r>
+                        <a:rPr lang="zh-CN" altLang="en-US" sz="1000">
+                          <a:solidFill>
+                            <a:srgbClr val="FF0000"/>
+                          </a:solidFill>
+                          <a:sym typeface="+mn-ea"/>
+                        </a:rPr>
+                        <a:t>事务成功消息不一定成功，需要用定时任务检查消息状态，但是这种能保持一致</a:t>
+                      </a:r>
+                      <a:endParaRPr lang="zh-CN" altLang="en-US" sz="1000">
+                        <a:solidFill>
+                          <a:srgbClr val="FF0000"/>
+                        </a:solidFill>
+                        <a:sym typeface="+mn-ea"/>
+                      </a:endParaRPr>
+                    </a:p>
+                  </a:txBody>
+                  <a:tcPr/>
+                </a:tc>
+              </a:tr>
+            </a:tbl>
+          </a:graphicData>
+        </a:graphic>
+      </p:graphicFrame>
+      <p:cxnSp>
+        <p:nvCxnSpPr>
+          <p:cNvPr id="41" name="直接箭头连接符 40"/>
+          <p:cNvCxnSpPr>
+            <a:stCxn id="43" idx="4"/>
+            <a:endCxn id="20" idx="1"/>
+          </p:cNvCxnSpPr>
+          <p:nvPr/>
+        </p:nvCxnSpPr>
+        <p:spPr>
+          <a:xfrm>
+            <a:off x="3241675" y="3126740"/>
+            <a:ext cx="1308100" cy="635"/>
+          </a:xfrm>
+          <a:prstGeom prst="straightConnector1">
+            <a:avLst/>
+          </a:prstGeom>
+          <a:ln>
+            <a:tailEnd type="arrow"/>
+          </a:ln>
+        </p:spPr>
+        <p:style>
+          <a:lnRef idx="1">
+            <a:schemeClr val="accent1"/>
+          </a:lnRef>
+          <a:fillRef idx="0">
+            <a:schemeClr val="accent1"/>
+          </a:fillRef>
+          <a:effectRef idx="0">
+            <a:schemeClr val="accent1"/>
+          </a:effectRef>
+          <a:fontRef idx="minor">
+            <a:schemeClr val="tx1"/>
+          </a:fontRef>
+        </p:style>
+      </p:cxnSp>
+      <p:sp>
+        <p:nvSpPr>
+          <p:cNvPr id="42" name="文本框 41"/>
+          <p:cNvSpPr txBox="1"/>
+          <p:nvPr/>
+        </p:nvSpPr>
+        <p:spPr>
+          <a:xfrm>
+            <a:off x="6017260" y="864870"/>
+            <a:ext cx="2795905" cy="460375"/>
+          </a:xfrm>
+          <a:prstGeom prst="rect">
+            <a:avLst/>
+          </a:prstGeom>
+          <a:noFill/>
+        </p:spPr>
+        <p:txBody>
+          <a:bodyPr wrap="square" rtlCol="0">
+            <a:spAutoFit/>
+          </a:bodyPr>
+          <a:p>
+            <a:r>
+              <a:rPr lang="zh-CN" altLang="en-US" sz="1200">
+                <a:solidFill>
+                  <a:srgbClr val="FF0000"/>
+                </a:solidFill>
+              </a:rPr>
+              <a:t>至于消费端发现业务上的单据重复不可进行的，应该在生产端就开始杜绝</a:t>
+            </a:r>
+            <a:endParaRPr lang="zh-CN" altLang="en-US" sz="1200">
+              <a:solidFill>
+                <a:srgbClr val="FF0000"/>
+              </a:solidFill>
+            </a:endParaRPr>
+          </a:p>
+        </p:txBody>
+      </p:sp>
+      <p:sp>
+        <p:nvSpPr>
+          <p:cNvPr id="43" name="圆柱形 42"/>
+          <p:cNvSpPr/>
+          <p:nvPr/>
+        </p:nvSpPr>
+        <p:spPr>
+          <a:xfrm>
+            <a:off x="1337945" y="2825750"/>
+            <a:ext cx="1903730" cy="601980"/>
+          </a:xfrm>
+          <a:prstGeom prst="can">
+            <a:avLst/>
+          </a:prstGeom>
+        </p:spPr>
+        <p:style>
+          <a:lnRef idx="2">
+            <a:schemeClr val="accent4"/>
+          </a:lnRef>
+          <a:fillRef idx="1">
+            <a:schemeClr val="lt1"/>
+          </a:fillRef>
+          <a:effectRef idx="0">
+            <a:schemeClr val="accent4"/>
+          </a:effectRef>
+          <a:fontRef idx="minor">
+            <a:schemeClr val="dk1"/>
+          </a:fontRef>
+        </p:style>
+        <p:txBody>
+          <a:bodyPr rtlCol="0" anchor="ctr"/>
+          <a:p>
+            <a:pPr algn="ctr"/>
+            <a:r>
+              <a:rPr lang="zh-CN" altLang="en-US" sz="1200">
+                <a:solidFill>
+                  <a:srgbClr val="FF0000"/>
+                </a:solidFill>
+                <a:sym typeface="+mn-ea"/>
+              </a:rPr>
+              <a:t>定时任务检查消息状态，只要是没消费的，重发</a:t>
+            </a:r>
+            <a:endParaRPr lang="zh-CN" altLang="en-US" sz="1200">
+              <a:solidFill>
+                <a:srgbClr val="FF0000"/>
+              </a:solidFill>
+              <a:sym typeface="+mn-ea"/>
+            </a:endParaRPr>
+          </a:p>
+        </p:txBody>
+      </p:sp>
     </p:spTree>
   </p:cSld>
   <p:clrMapOvr>
@@ -4822,6 +5486,14 @@
 <file path=ppt/tags/tag1.xml><?xml version="1.0" encoding="utf-8"?>
 <p:tagLst xmlns:p="http://schemas.openxmlformats.org/presentationml/2006/main">
   <p:tag name="KSO_WM_UNIT_TABLE_BEAUTIFY" val="smartTable{d46a670f-6853-421b-b23c-776517695451}"/>
+</p:tagLst>
+</file>
+
+<file path=ppt/tags/tag2.xml><?xml version="1.0" encoding="utf-8"?>
+<p:tagLst xmlns:p="http://schemas.openxmlformats.org/presentationml/2006/main">
+  <p:tag name="KSO_WM_UNIT_TABLE_BEAUTIFY" val="smartTable{3116e414-5f2f-451b-9096-0a07046fc99d}"/>
+  <p:tag name="TABLE_ENDDRAG_ORIGIN_RECT" val="368*84"/>
+  <p:tag name="TABLE_ENDDRAG_RECT" val="3*255*368*84"/>
 </p:tagLst>
 </file>
 
